--- a/folien/week6.pptx
+++ b/folien/week6.pptx
@@ -243,7 +243,7 @@
           <a:p>
             <a:fld id="{21C000D9-2858-4F4C-AF5C-64F79A7C2410}" type="datetimeFigureOut">
               <a:rPr lang="en-US" smtClean="0"/>
-              <a:t>11/17/2021</a:t>
+              <a:t>5/9/2022</a:t>
             </a:fld>
             <a:endParaRPr lang="en-US"/>
           </a:p>
@@ -401,7 +401,7 @@
           <a:p>
             <a:fld id="{C347FAF7-5C4E-4642-B377-C3A2CDCC9DA1}" type="slidenum">
               <a:rPr lang="en-US" smtClean="0"/>
-              <a:t>‹Nr.›</a:t>
+              <a:t>‹#›</a:t>
             </a:fld>
             <a:endParaRPr lang="en-US"/>
           </a:p>
@@ -555,63 +555,63 @@
           <a:lstStyle/>
           <a:p>
             <a:r>
-              <a:rPr lang="en-US" dirty="0" err="1" smtClean="0"/>
+              <a:rPr lang="en-US" dirty="0" err="1"/>
               <a:t>Heimann</a:t>
             </a:r>
             <a:r>
-              <a:rPr lang="en-US" dirty="0" smtClean="0"/>
+              <a:rPr lang="en-US" dirty="0"/>
               <a:t> / Berliner Modell:</a:t>
             </a:r>
             <a:r>
-              <a:rPr lang="en-US" baseline="0" dirty="0" smtClean="0"/>
+              <a:rPr lang="en-US" baseline="0" dirty="0"/>
               <a:t> </a:t>
             </a:r>
             <a:r>
-              <a:rPr lang="en-US" baseline="0" dirty="0" err="1" smtClean="0"/>
+              <a:rPr lang="en-US" baseline="0" dirty="0" err="1"/>
               <a:t>lehr-lern</a:t>
             </a:r>
             <a:r>
-              <a:rPr lang="en-US" baseline="0" dirty="0" smtClean="0"/>
+              <a:rPr lang="en-US" baseline="0" dirty="0"/>
               <a:t> “</a:t>
             </a:r>
             <a:r>
-              <a:rPr lang="en-US" baseline="0" dirty="0" err="1" smtClean="0"/>
+              <a:rPr lang="en-US" baseline="0" dirty="0" err="1"/>
               <a:t>theorie</a:t>
             </a:r>
             <a:r>
-              <a:rPr lang="en-US" baseline="0" dirty="0" smtClean="0"/>
+              <a:rPr lang="en-US" baseline="0" dirty="0"/>
               <a:t>”: </a:t>
             </a:r>
             <a:r>
-              <a:rPr lang="en-US" baseline="0" dirty="0" err="1" smtClean="0"/>
+              <a:rPr lang="en-US" baseline="0" dirty="0" err="1"/>
               <a:t>empirische</a:t>
             </a:r>
             <a:r>
-              <a:rPr lang="en-US" baseline="0" dirty="0" smtClean="0"/>
+              <a:rPr lang="en-US" baseline="0" dirty="0"/>
               <a:t> </a:t>
             </a:r>
             <a:r>
-              <a:rPr lang="en-US" baseline="0" dirty="0" err="1" smtClean="0"/>
+              <a:rPr lang="en-US" baseline="0" dirty="0" err="1"/>
               <a:t>theorie</a:t>
             </a:r>
             <a:r>
-              <a:rPr lang="en-US" baseline="0" dirty="0" smtClean="0"/>
+              <a:rPr lang="en-US" baseline="0" dirty="0"/>
               <a:t> </a:t>
             </a:r>
             <a:r>
-              <a:rPr lang="en-US" baseline="0" dirty="0" err="1" smtClean="0"/>
+              <a:rPr lang="en-US" baseline="0" dirty="0" err="1"/>
               <a:t>ueber</a:t>
             </a:r>
             <a:r>
-              <a:rPr lang="en-US" baseline="0" dirty="0" smtClean="0"/>
+              <a:rPr lang="en-US" baseline="0" dirty="0"/>
               <a:t> </a:t>
             </a:r>
             <a:r>
-              <a:rPr lang="en-US" baseline="0" dirty="0" err="1" smtClean="0"/>
+              <a:rPr lang="en-US" baseline="0" dirty="0" err="1"/>
               <a:t>lernen</a:t>
             </a:r>
             <a:r>
-              <a:rPr lang="en-US" baseline="0" dirty="0" smtClean="0"/>
+              <a:rPr lang="en-US" baseline="0" dirty="0"/>
               <a:t>.</a:t>
             </a:r>
             <a:endParaRPr lang="en-US" dirty="0"/>
@@ -1074,7 +1074,7 @@
             <a:fld id="{63CECEBB-547B-4598-95D8-3FB4D608B5D5}" type="slidenum">
               <a:rPr lang="de-DE" smtClean="0"/>
               <a:pPr/>
-              <a:t>‹Nr.›</a:t>
+              <a:t>‹#›</a:t>
             </a:fld>
             <a:endParaRPr lang="de-DE" dirty="0"/>
           </a:p>
@@ -1342,7 +1342,7 @@
             <a:fld id="{63CECEBB-547B-4598-95D8-3FB4D608B5D5}" type="slidenum">
               <a:rPr lang="de-DE" smtClean="0"/>
               <a:pPr/>
-              <a:t>‹Nr.›</a:t>
+              <a:t>‹#›</a:t>
             </a:fld>
             <a:endParaRPr lang="de-DE" dirty="0"/>
           </a:p>
@@ -1600,7 +1600,7 @@
             <a:fld id="{63CECEBB-547B-4598-95D8-3FB4D608B5D5}" type="slidenum">
               <a:rPr lang="de-DE" smtClean="0"/>
               <a:pPr/>
-              <a:t>‹Nr.›</a:t>
+              <a:t>‹#›</a:t>
             </a:fld>
             <a:endParaRPr lang="de-DE" dirty="0"/>
           </a:p>
@@ -1859,7 +1859,7 @@
             <a:fld id="{63CECEBB-547B-4598-95D8-3FB4D608B5D5}" type="slidenum">
               <a:rPr lang="de-DE" smtClean="0"/>
               <a:pPr/>
-              <a:t>‹Nr.›</a:t>
+              <a:t>‹#›</a:t>
             </a:fld>
             <a:endParaRPr lang="de-DE" dirty="0"/>
           </a:p>
@@ -2115,7 +2115,7 @@
             <a:fld id="{63CECEBB-547B-4598-95D8-3FB4D608B5D5}" type="slidenum">
               <a:rPr lang="de-DE" smtClean="0"/>
               <a:pPr/>
-              <a:t>‹Nr.›</a:t>
+              <a:t>‹#›</a:t>
             </a:fld>
             <a:endParaRPr lang="de-DE" dirty="0"/>
           </a:p>
@@ -2297,7 +2297,7 @@
             <a:fld id="{63CECEBB-547B-4598-95D8-3FB4D608B5D5}" type="slidenum">
               <a:rPr lang="de-DE" smtClean="0"/>
               <a:pPr/>
-              <a:t>‹Nr.›</a:t>
+              <a:t>‹#›</a:t>
             </a:fld>
             <a:endParaRPr lang="de-DE" dirty="0"/>
           </a:p>
@@ -3468,11 +3468,11 @@
               <a:buNone/>
             </a:pPr>
             <a:r>
-              <a:rPr lang="de-DE" sz="2000" dirty="0" smtClean="0">
+              <a:rPr lang="de-DE" sz="2000">
                 <a:latin typeface="Arial" panose="020B0604020202020204" pitchFamily="34" charset="0"/>
                 <a:cs typeface="Arial" panose="020B0604020202020204" pitchFamily="34" charset="0"/>
               </a:rPr>
-              <a:t>17.11.21</a:t>
+              <a:t>10.5.22</a:t>
             </a:r>
             <a:endParaRPr lang="de-DE" sz="2000" dirty="0">
               <a:latin typeface="Arial" panose="020B0604020202020204" pitchFamily="34" charset="0"/>
@@ -3564,12 +3564,8 @@
               <a:buNone/>
             </a:pPr>
             <a:r>
-              <a:rPr lang="de-DE" sz="1200" b="1" dirty="0" smtClean="0"/>
-              <a:t>Wissenschaftlich</a:t>
-            </a:r>
-            <a:r>
               <a:rPr lang="de-DE" sz="1200" b="1" dirty="0"/>
-              <a:t>:</a:t>
+              <a:t>Wissenschaftlich:</a:t>
             </a:r>
           </a:p>
           <a:p>
@@ -3579,15 +3575,7 @@
             </a:pPr>
             <a:r>
               <a:rPr lang="de-DE" sz="1200" dirty="0"/>
-              <a:t>Klafkis Ansatz ist empirisch </a:t>
-            </a:r>
-            <a:r>
-              <a:rPr lang="de-DE" sz="1200" dirty="0" smtClean="0"/>
-              <a:t>zu wenig </a:t>
-            </a:r>
-            <a:r>
-              <a:rPr lang="de-DE" sz="1200" dirty="0"/>
-              <a:t>abgesichert.</a:t>
+              <a:t>Klafkis Ansatz ist empirisch zu wenig abgesichert.</a:t>
             </a:r>
           </a:p>
           <a:p>
@@ -4561,19 +4549,11 @@
             <a:pPr lvl="1"/>
             <a:r>
               <a:rPr lang="de-DE" sz="2200" dirty="0"/>
-              <a:t>Vielfalt: </a:t>
-            </a:r>
-            <a:r>
-              <a:rPr lang="de-DE" sz="2200" dirty="0"/>
-              <a:t>Außerdem wäre man </a:t>
+              <a:t>Vielfalt: Außerdem wäre man </a:t>
             </a:r>
             <a:r>
               <a:rPr lang="de-DE" sz="2200" b="1" dirty="0"/>
-              <a:t>offen </a:t>
-            </a:r>
-            <a:r>
-              <a:rPr lang="de-DE" sz="2200" b="1" dirty="0"/>
-              <a:t>für die Vielfalt </a:t>
+              <a:t>offen für die Vielfalt </a:t>
             </a:r>
             <a:r>
               <a:rPr lang="de-DE" sz="2200" dirty="0"/>
@@ -4890,10 +4870,9 @@
           <a:lstStyle/>
           <a:p>
             <a:r>
-              <a:rPr lang="de-DE" sz="2800" dirty="0" smtClean="0"/>
+              <a:rPr lang="de-DE" sz="2800" dirty="0"/>
               <a:t>Bildung (Klafki)</a:t>
             </a:r>
-            <a:endParaRPr lang="de-DE" sz="2800" dirty="0"/>
           </a:p>
         </p:txBody>
       </p:sp>
@@ -4927,12 +4906,8 @@
               <a:buNone/>
             </a:pPr>
             <a:r>
-              <a:rPr lang="de-DE" sz="1400" dirty="0" smtClean="0"/>
-              <a:t>Allgemeinbildung </a:t>
-            </a:r>
-            <a:r>
               <a:rPr lang="de-DE" sz="1400" dirty="0"/>
-              <a:t>bezeichnet die </a:t>
+              <a:t>Allgemeinbildung bezeichnet die </a:t>
             </a:r>
             <a:r>
               <a:rPr lang="de-DE" sz="1400" b="1" dirty="0"/>
@@ -4972,7 +4947,7 @@
             </a:r>
           </a:p>
           <a:p>
-            <a:endParaRPr lang="de-DE" sz="1400" b="1" dirty="0" smtClean="0"/>
+            <a:endParaRPr lang="de-DE" sz="1400" b="1" dirty="0"/>
           </a:p>
           <a:p>
             <a:pPr marL="0" indent="0">
@@ -4988,11 +4963,7 @@
             </a:r>
             <a:r>
               <a:rPr lang="de-DE" sz="1400" dirty="0"/>
-              <a:t> Pestalozzi, Schleiermacher, Herbart</a:t>
-            </a:r>
-            <a:r>
-              <a:rPr lang="de-DE" sz="1400" dirty="0" smtClean="0"/>
-              <a:t>)</a:t>
+              <a:t> Pestalozzi, Schleiermacher, Herbart)</a:t>
             </a:r>
           </a:p>
           <a:p>
@@ -5004,11 +4975,7 @@
             </a:pPr>
             <a:r>
               <a:rPr lang="de-DE" sz="1400" b="1" dirty="0"/>
-              <a:t>‘</a:t>
-            </a:r>
-            <a:r>
-              <a:rPr lang="de-DE" sz="1400" b="1" dirty="0" smtClean="0"/>
-              <a:t>Prinzipien‘</a:t>
+              <a:t>‘Prinzipien‘</a:t>
             </a:r>
             <a:endParaRPr lang="de-DE" sz="1400" dirty="0"/>
           </a:p>
@@ -5039,11 +5006,7 @@
             </a:pPr>
             <a:r>
               <a:rPr lang="de-DE" sz="1400" dirty="0"/>
-              <a:t>Allgemeinbildung ist Bildung im Medium des Allgemeinen (Lesen-Schreiben</a:t>
-            </a:r>
-            <a:r>
-              <a:rPr lang="de-DE" sz="1400" dirty="0" smtClean="0"/>
-              <a:t>).</a:t>
+              <a:t>Allgemeinbildung ist Bildung im Medium des Allgemeinen (Lesen-Schreiben).</a:t>
             </a:r>
             <a:endParaRPr lang="de-DE" sz="1050" dirty="0"/>
           </a:p>
@@ -5053,12 +5016,8 @@
               <a:buAutoNum type="arabicPeriod"/>
             </a:pPr>
             <a:r>
-              <a:rPr lang="de-DE" sz="1400" dirty="0" smtClean="0"/>
-              <a:t>Bildung </a:t>
-            </a:r>
-            <a:r>
               <a:rPr lang="de-DE" sz="1400" dirty="0"/>
-              <a:t>zielt auf die Befähigung zu vernünftiger Selbstbestimmung…</a:t>
+              <a:t>Bildung zielt auf die Befähigung zu vernünftiger Selbstbestimmung…</a:t>
             </a:r>
           </a:p>
           <a:p>
@@ -5099,7 +5058,7 @@
             <a:pPr marL="0" indent="0">
               <a:buNone/>
             </a:pPr>
-            <a:endParaRPr lang="de-DE" sz="1400" dirty="0" smtClean="0"/>
+            <a:endParaRPr lang="de-DE" sz="1400" dirty="0"/>
           </a:p>
           <a:p>
             <a:pPr marL="0" indent="0">
@@ -5191,14 +5150,9 @@
           <a:lstStyle/>
           <a:p>
             <a:r>
-              <a:rPr lang="de-DE" dirty="0" smtClean="0"/>
-              <a:t>Bildungs-theoretische </a:t>
-            </a:r>
-            <a:r>
               <a:rPr lang="de-DE" dirty="0"/>
-              <a:t>Didaktik</a:t>
-            </a:r>
-            <a:endParaRPr lang="de-DE" dirty="0"/>
+              <a:t>Bildungs-theoretische Didaktik</a:t>
+            </a:r>
           </a:p>
         </p:txBody>
       </p:sp>
@@ -5295,16 +5249,7 @@
                 <a:ea typeface="Calibri" panose="020F0502020204030204" pitchFamily="34" charset="0"/>
                 <a:cs typeface="Times New Roman" panose="02020603050405020304" pitchFamily="18" charset="0"/>
               </a:rPr>
-              <a:t>Didaktische Analyse </a:t>
-            </a:r>
-            <a:r>
-              <a:rPr lang="de-DE" sz="1800" b="1" dirty="0" smtClean="0">
-                <a:effectLst/>
-                <a:latin typeface="Arial" panose="020B0604020202020204" pitchFamily="34" charset="0"/>
-                <a:ea typeface="Calibri" panose="020F0502020204030204" pitchFamily="34" charset="0"/>
-                <a:cs typeface="Times New Roman" panose="02020603050405020304" pitchFamily="18" charset="0"/>
-              </a:rPr>
-              <a:t>(Klafki)</a:t>
+              <a:t>Didaktische Analyse (Klafki)</a:t>
             </a:r>
             <a:endParaRPr lang="de-DE" dirty="0"/>
           </a:p>
@@ -5657,16 +5602,7 @@
                 </a:solidFill>
                 <a:ea typeface="Times New Roman" panose="02020603050405020304" pitchFamily="18" charset="0"/>
               </a:rPr>
-              <a:t> haben, um die kategoriale Bildung zu erlangen</a:t>
-            </a:r>
-            <a:r>
-              <a:rPr lang="de-DE" sz="1200" dirty="0" smtClean="0">
-                <a:solidFill>
-                  <a:srgbClr val="000000"/>
-                </a:solidFill>
-                <a:ea typeface="Times New Roman" panose="02020603050405020304" pitchFamily="18" charset="0"/>
-              </a:rPr>
-              <a:t>?</a:t>
+              <a:t> haben, um die kategoriale Bildung zu erlangen?</a:t>
             </a:r>
             <a:endParaRPr lang="en-US" sz="1200" dirty="0">
               <a:ea typeface="Times New Roman" panose="02020603050405020304" pitchFamily="18" charset="0"/>
@@ -5708,22 +5644,13 @@
               <a:buNone/>
             </a:pPr>
             <a:r>
-              <a:rPr lang="de-DE" sz="1200" b="1" dirty="0" smtClean="0">
+              <a:rPr lang="de-DE" sz="1200" b="1" dirty="0">
                 <a:solidFill>
                   <a:srgbClr val="000000"/>
                 </a:solidFill>
                 <a:ea typeface="Times New Roman" panose="02020603050405020304" pitchFamily="18" charset="0"/>
               </a:rPr>
-              <a:t>4 </a:t>
-            </a:r>
-            <a:r>
-              <a:rPr lang="de-DE" sz="1200" b="1" dirty="0">
-                <a:solidFill>
-                  <a:srgbClr val="000000"/>
-                </a:solidFill>
-                <a:ea typeface="Times New Roman" panose="02020603050405020304" pitchFamily="18" charset="0"/>
-              </a:rPr>
-              <a:t>Exemplarische Bedeutung der Bildungsinhalte:</a:t>
+              <a:t>4 Exemplarische Bedeutung der Bildungsinhalte:</a:t>
             </a:r>
             <a:endParaRPr lang="en-US" sz="1200" dirty="0">
               <a:ea typeface="Times New Roman" panose="02020603050405020304" pitchFamily="18" charset="0"/>
